--- a/SlideBaoCaoCuoiKi.pptx
+++ b/SlideBaoCaoCuoiKi.pptx
@@ -1081,7 +1081,7 @@
     </p:spTree>
     <p:extLst>
       <p:ext uri="{BB962C8B-B14F-4D97-AF65-F5344CB8AC3E}">
-        <p14:creationId xmlns:p14="http://schemas.microsoft.com/office/powerpoint/2010/main" val="3822745936"/>
+        <p14:creationId xmlns:p14="http://schemas.microsoft.com/office/powerpoint/2010/main" val="3609195977"/>
       </p:ext>
     </p:extLst>
   </p:cSld>
@@ -12797,7 +12797,7 @@
           <p:nvPr>
             <p:extLst>
               <p:ext uri="{D42A27DB-BD31-4B8C-83A1-F6EECF244321}">
-                <p14:modId xmlns:p14="http://schemas.microsoft.com/office/powerpoint/2010/main" val="1923298314"/>
+                <p14:modId xmlns:p14="http://schemas.microsoft.com/office/powerpoint/2010/main" val="1228619556"/>
               </p:ext>
             </p:extLst>
           </p:nvPr>
@@ -13086,7 +13086,7 @@
                     <a:lstStyle/>
                     <a:p>
                       <a:r>
-                        <a:rPr lang="vi-VN" sz="1800" b="1" i="0" u="none" strike="noStrike" cap="none" dirty="0">
+                        <a:rPr lang="vi-VN" sz="1800" b="1" i="0" u="none" strike="noStrike" cap="none">
                           <a:solidFill>
                             <a:srgbClr val="003CA5"/>
                           </a:solidFill>
@@ -13635,7 +13635,7 @@
         </p:nvSpPr>
         <p:spPr>
           <a:xfrm>
-            <a:off x="1053733" y="2236181"/>
+            <a:off x="1020115" y="-825"/>
             <a:ext cx="7330507" cy="671137"/>
           </a:xfrm>
           <a:prstGeom prst="rect">
@@ -13914,7 +13914,222 @@
                 <a:latin typeface="Montserrat" panose="00000500000000000000" pitchFamily="2" charset="0"/>
                 <a:cs typeface="Arial" panose="020B0604020202020204" pitchFamily="34" charset="0"/>
               </a:rPr>
-              <a:t>05. Kết quả và demo</a:t>
+              <a:t>06. Kết luận và hướng phát triển</a:t>
+            </a:r>
+          </a:p>
+        </p:txBody>
+      </p:sp>
+      <p:sp>
+        <p:nvSpPr>
+          <p:cNvPr id="3" name="Rectangle 2">
+            <a:extLst>
+              <a:ext uri="{FF2B5EF4-FFF2-40B4-BE49-F238E27FC236}">
+                <a16:creationId xmlns:a16="http://schemas.microsoft.com/office/drawing/2014/main" id="{5D74593B-7159-7C73-7ACC-695E281304F4}"/>
+              </a:ext>
+            </a:extLst>
+          </p:cNvPr>
+          <p:cNvSpPr/>
+          <p:nvPr/>
+        </p:nvSpPr>
+        <p:spPr>
+          <a:xfrm>
+            <a:off x="735054" y="670312"/>
+            <a:ext cx="7674774" cy="4378122"/>
+          </a:xfrm>
+          <a:prstGeom prst="rect">
+            <a:avLst/>
+          </a:prstGeom>
+        </p:spPr>
+        <p:txBody>
+          <a:bodyPr wrap="square">
+            <a:spAutoFit/>
+          </a:bodyPr>
+          <a:lstStyle/>
+          <a:p>
+            <a:pPr lvl="1" algn="ctr">
+              <a:lnSpc>
+                <a:spcPct val="150000"/>
+              </a:lnSpc>
+              <a:spcBef>
+                <a:spcPts val="300"/>
+              </a:spcBef>
+              <a:buSzPts val="1600"/>
+              <a:tabLst>
+                <a:tab pos="0" algn="l"/>
+              </a:tabLst>
+            </a:pPr>
+            <a:r>
+              <a:rPr lang="en-US" sz="2000" b="1">
+                <a:solidFill>
+                  <a:schemeClr val="accent1"/>
+                </a:solidFill>
+                <a:latin typeface="Times New Roman" panose="02020603050405020304" pitchFamily="18" charset="0"/>
+                <a:ea typeface="Times New Roman" panose="02020603050405020304" pitchFamily="18" charset="0"/>
+              </a:rPr>
+              <a:t>Hướng phát triển</a:t>
+            </a:r>
+            <a:endParaRPr lang="en-US" sz="2000" b="1" dirty="0">
+              <a:solidFill>
+                <a:schemeClr val="accent1"/>
+              </a:solidFill>
+              <a:latin typeface="Times New Roman" panose="02020603050405020304" pitchFamily="18" charset="0"/>
+              <a:ea typeface="Times New Roman" panose="02020603050405020304" pitchFamily="18" charset="0"/>
+            </a:endParaRPr>
+          </a:p>
+          <a:p>
+            <a:pPr marL="285750" indent="-285750" algn="just">
+              <a:lnSpc>
+                <a:spcPct val="150000"/>
+              </a:lnSpc>
+              <a:buFont typeface="Wingdings" panose="05000000000000000000" pitchFamily="2" charset="2"/>
+              <a:buChar char="§"/>
+              <a:tabLst>
+                <a:tab pos="0" algn="l"/>
+                <a:tab pos="228600" algn="l"/>
+              </a:tabLst>
+            </a:pPr>
+            <a:r>
+              <a:rPr lang="vi-VN" sz="1600">
+                <a:solidFill>
+                  <a:schemeClr val="accent1"/>
+                </a:solidFill>
+                <a:latin typeface="Times New Roman" panose="02020603050405020304" pitchFamily="18" charset="0"/>
+                <a:ea typeface="Times New Roman" panose="02020603050405020304" pitchFamily="18" charset="0"/>
+              </a:rPr>
+              <a:t>Tạo website hiển thị hình ảnh 360 độ, giúp người dùng có những trải nghiệm ở các góc nhìn khác nhau trong hệ thống.</a:t>
+            </a:r>
+          </a:p>
+          <a:p>
+            <a:pPr marL="285750" indent="-285750" algn="just">
+              <a:lnSpc>
+                <a:spcPct val="150000"/>
+              </a:lnSpc>
+              <a:buFont typeface="Wingdings" panose="05000000000000000000" pitchFamily="2" charset="2"/>
+              <a:buChar char="§"/>
+              <a:tabLst>
+                <a:tab pos="0" algn="l"/>
+                <a:tab pos="228600" algn="l"/>
+              </a:tabLst>
+            </a:pPr>
+            <a:r>
+              <a:rPr lang="vi-VN" sz="1600">
+                <a:solidFill>
+                  <a:schemeClr val="accent1"/>
+                </a:solidFill>
+                <a:latin typeface="Times New Roman" panose="02020603050405020304" pitchFamily="18" charset="0"/>
+                <a:ea typeface="Times New Roman" panose="02020603050405020304" pitchFamily="18" charset="0"/>
+              </a:rPr>
+              <a:t>Xây dựng một giao diện dễ sử dụng và thân thiện với người dùng, từ minimap đến giao diện camera 360 độ.</a:t>
+            </a:r>
+          </a:p>
+          <a:p>
+            <a:pPr marL="285750" indent="-285750" algn="just">
+              <a:lnSpc>
+                <a:spcPct val="150000"/>
+              </a:lnSpc>
+              <a:buFont typeface="Wingdings" panose="05000000000000000000" pitchFamily="2" charset="2"/>
+              <a:buChar char="§"/>
+              <a:tabLst>
+                <a:tab pos="0" algn="l"/>
+                <a:tab pos="228600" algn="l"/>
+              </a:tabLst>
+            </a:pPr>
+            <a:r>
+              <a:rPr lang="vi-VN" sz="1600">
+                <a:solidFill>
+                  <a:schemeClr val="accent1"/>
+                </a:solidFill>
+                <a:latin typeface="Times New Roman" panose="02020603050405020304" pitchFamily="18" charset="0"/>
+                <a:ea typeface="Times New Roman" panose="02020603050405020304" pitchFamily="18" charset="0"/>
+              </a:rPr>
+              <a:t>Tạo ra một cơ sở dữ liệu hình ảnh đa dạng, bao gồm các địa điểm thực tế và cảnh quan tự nhiên</a:t>
+            </a:r>
+            <a:r>
+              <a:rPr lang="en-US" sz="1600">
+                <a:solidFill>
+                  <a:schemeClr val="accent1"/>
+                </a:solidFill>
+                <a:latin typeface="Times New Roman" panose="02020603050405020304" pitchFamily="18" charset="0"/>
+                <a:ea typeface="Times New Roman" panose="02020603050405020304" pitchFamily="18" charset="0"/>
+              </a:rPr>
+              <a:t>.</a:t>
+            </a:r>
+            <a:endParaRPr lang="vi-VN" sz="1600" dirty="0">
+              <a:solidFill>
+                <a:schemeClr val="accent1"/>
+              </a:solidFill>
+              <a:latin typeface="Times New Roman" panose="02020603050405020304" pitchFamily="18" charset="0"/>
+              <a:ea typeface="Times New Roman" panose="02020603050405020304" pitchFamily="18" charset="0"/>
+            </a:endParaRPr>
+          </a:p>
+          <a:p>
+            <a:pPr lvl="1" algn="ctr">
+              <a:lnSpc>
+                <a:spcPct val="150000"/>
+              </a:lnSpc>
+              <a:spcBef>
+                <a:spcPts val="300"/>
+              </a:spcBef>
+              <a:buSzPts val="1600"/>
+              <a:tabLst>
+                <a:tab pos="0" algn="l"/>
+              </a:tabLst>
+            </a:pPr>
+            <a:r>
+              <a:rPr lang="en-US" sz="2000" b="1">
+                <a:solidFill>
+                  <a:schemeClr val="accent1"/>
+                </a:solidFill>
+                <a:latin typeface="Times New Roman" panose="02020603050405020304" pitchFamily="18" charset="0"/>
+                <a:ea typeface="Times New Roman" panose="02020603050405020304" pitchFamily="18" charset="0"/>
+              </a:rPr>
+              <a:t>Tồn đọng</a:t>
+            </a:r>
+          </a:p>
+          <a:p>
+            <a:pPr marL="285750" indent="-285750" algn="just">
+              <a:lnSpc>
+                <a:spcPct val="150000"/>
+              </a:lnSpc>
+              <a:buFont typeface="Wingdings" panose="05000000000000000000" pitchFamily="2" charset="2"/>
+              <a:buChar char="§"/>
+              <a:tabLst>
+                <a:tab pos="0" algn="l"/>
+                <a:tab pos="228600" algn="l"/>
+              </a:tabLst>
+            </a:pPr>
+            <a:r>
+              <a:rPr lang="vi-VN" sz="1600">
+                <a:solidFill>
+                  <a:schemeClr val="accent1"/>
+                </a:solidFill>
+                <a:latin typeface="Times New Roman" panose="02020603050405020304" pitchFamily="18" charset="0"/>
+                <a:ea typeface="Times New Roman" panose="02020603050405020304" pitchFamily="18" charset="0"/>
+              </a:rPr>
+              <a:t>Vấn đề tương thích và hiệu suất của hệ thống trên các trình duyệt web khác nhau.</a:t>
+            </a:r>
+          </a:p>
+          <a:p>
+            <a:pPr marL="285750" indent="-285750" algn="just">
+              <a:lnSpc>
+                <a:spcPct val="150000"/>
+              </a:lnSpc>
+              <a:buFont typeface="Wingdings" panose="05000000000000000000" pitchFamily="2" charset="2"/>
+              <a:buChar char="§"/>
+              <a:tabLst>
+                <a:tab pos="0" algn="l"/>
+                <a:tab pos="228600" algn="l"/>
+              </a:tabLst>
+            </a:pPr>
+            <a:r>
+              <a:rPr lang="vi-VN" sz="1600">
+                <a:solidFill>
+                  <a:schemeClr val="accent1"/>
+                </a:solidFill>
+                <a:latin typeface="Times New Roman" panose="02020603050405020304" pitchFamily="18" charset="0"/>
+                <a:ea typeface="Times New Roman" panose="02020603050405020304" pitchFamily="18" charset="0"/>
+              </a:rPr>
+              <a:t>Tối ưu hóa hiển thị hình ảnh 360 độ để giảm thiểu thời gian tải và tăng trải nghiệm người dùng.</a:t>
             </a:r>
           </a:p>
         </p:txBody>
@@ -14264,7 +14479,7 @@
         <p:spPr>
           <a:xfrm>
             <a:off x="735054" y="670312"/>
-            <a:ext cx="7674774" cy="4378122"/>
+            <a:ext cx="7674774" cy="3508653"/>
           </a:xfrm>
           <a:prstGeom prst="rect">
             <a:avLst/>
@@ -14296,65 +14511,8 @@
                 <a:latin typeface="Times New Roman" panose="02020603050405020304" pitchFamily="18" charset="0"/>
                 <a:ea typeface="Times New Roman" panose="02020603050405020304" pitchFamily="18" charset="0"/>
               </a:rPr>
-              <a:t>Kết </a:t>
+              <a:t>Hướng phát triển</a:t>
             </a:r>
-            <a:r>
-              <a:rPr lang="en-US" sz="2000" b="1" dirty="0" err="1">
-                <a:solidFill>
-                  <a:schemeClr val="accent1"/>
-                </a:solidFill>
-                <a:latin typeface="Times New Roman" panose="02020603050405020304" pitchFamily="18" charset="0"/>
-                <a:ea typeface="Times New Roman" panose="02020603050405020304" pitchFamily="18" charset="0"/>
-              </a:rPr>
-              <a:t>quả</a:t>
-            </a:r>
-            <a:r>
-              <a:rPr lang="en-US" sz="2000" b="1" dirty="0">
-                <a:solidFill>
-                  <a:schemeClr val="accent1"/>
-                </a:solidFill>
-                <a:latin typeface="Times New Roman" panose="02020603050405020304" pitchFamily="18" charset="0"/>
-                <a:ea typeface="Times New Roman" panose="02020603050405020304" pitchFamily="18" charset="0"/>
-              </a:rPr>
-              <a:t> </a:t>
-            </a:r>
-            <a:r>
-              <a:rPr lang="en-US" sz="2000" b="1" dirty="0" err="1">
-                <a:solidFill>
-                  <a:schemeClr val="accent1"/>
-                </a:solidFill>
-                <a:latin typeface="Times New Roman" panose="02020603050405020304" pitchFamily="18" charset="0"/>
-                <a:ea typeface="Times New Roman" panose="02020603050405020304" pitchFamily="18" charset="0"/>
-              </a:rPr>
-              <a:t>đạt</a:t>
-            </a:r>
-            <a:r>
-              <a:rPr lang="en-US" sz="2000" b="1" dirty="0">
-                <a:solidFill>
-                  <a:schemeClr val="accent1"/>
-                </a:solidFill>
-                <a:latin typeface="Times New Roman" panose="02020603050405020304" pitchFamily="18" charset="0"/>
-                <a:ea typeface="Times New Roman" panose="02020603050405020304" pitchFamily="18" charset="0"/>
-              </a:rPr>
-              <a:t> </a:t>
-            </a:r>
-            <a:r>
-              <a:rPr lang="en-US" sz="2000" b="1" dirty="0" err="1">
-                <a:solidFill>
-                  <a:schemeClr val="accent1"/>
-                </a:solidFill>
-                <a:latin typeface="Times New Roman" panose="02020603050405020304" pitchFamily="18" charset="0"/>
-                <a:ea typeface="Times New Roman" panose="02020603050405020304" pitchFamily="18" charset="0"/>
-              </a:rPr>
-              <a:t>được</a:t>
-            </a:r>
-            <a:endParaRPr lang="en-US" sz="2000" b="1" dirty="0">
-              <a:solidFill>
-                <a:schemeClr val="accent1"/>
-              </a:solidFill>
-              <a:latin typeface="Times New Roman" panose="02020603050405020304" pitchFamily="18" charset="0"/>
-              <a:ea typeface="Times New Roman" panose="02020603050405020304" pitchFamily="18" charset="0"/>
-            </a:endParaRPr>
           </a:p>
           <a:p>
             <a:pPr marL="285750" indent="-285750" algn="just">
@@ -14376,7 +14534,7 @@
                 <a:latin typeface="Times New Roman" panose="02020603050405020304" pitchFamily="18" charset="0"/>
                 <a:ea typeface="Times New Roman" panose="02020603050405020304" pitchFamily="18" charset="0"/>
               </a:rPr>
-              <a:t>Tạo website hiển thị hình ảnh 360 độ, giúp người dùng có những trải nghiệm ở các góc nhìn khác nhau trong hệ thống.</a:t>
+              <a:t>Bổ sung và hoàn thiện các chức năng của hệ thống, bao gồm việc tối ưu hóa giao diện người dùng và cải thiện trải nghiệm người dùng.</a:t>
             </a:r>
           </a:p>
           <a:p>
@@ -14399,7 +14557,7 @@
                 <a:latin typeface="Times New Roman" panose="02020603050405020304" pitchFamily="18" charset="0"/>
                 <a:ea typeface="Times New Roman" panose="02020603050405020304" pitchFamily="18" charset="0"/>
               </a:rPr>
-              <a:t>Xây dựng một giao diện dễ sử dụng và thân thiện với người dùng, từ minimap đến giao diện camera 360 độ.</a:t>
+              <a:t>Tiến hành kiểm thử kỹ lưỡng trên nhiều môi trường khác nhau để đảm bảo tính ổn định và tương thích của hệ thống.</a:t>
             </a:r>
           </a:p>
           <a:p>
@@ -14422,48 +14580,7 @@
                 <a:latin typeface="Times New Roman" panose="02020603050405020304" pitchFamily="18" charset="0"/>
                 <a:ea typeface="Times New Roman" panose="02020603050405020304" pitchFamily="18" charset="0"/>
               </a:rPr>
-              <a:t>Tạo ra một cơ sở dữ liệu hình ảnh đa dạng, bao gồm các địa điểm thực tế và cảnh quan tự nhiên</a:t>
-            </a:r>
-            <a:r>
-              <a:rPr lang="en-US" sz="1600">
-                <a:solidFill>
-                  <a:schemeClr val="accent1"/>
-                </a:solidFill>
-                <a:latin typeface="Times New Roman" panose="02020603050405020304" pitchFamily="18" charset="0"/>
-                <a:ea typeface="Times New Roman" panose="02020603050405020304" pitchFamily="18" charset="0"/>
-              </a:rPr>
-              <a:t>.</a:t>
-            </a:r>
-            <a:endParaRPr lang="vi-VN" sz="1600" dirty="0">
-              <a:solidFill>
-                <a:schemeClr val="accent1"/>
-              </a:solidFill>
-              <a:latin typeface="Times New Roman" panose="02020603050405020304" pitchFamily="18" charset="0"/>
-              <a:ea typeface="Times New Roman" panose="02020603050405020304" pitchFamily="18" charset="0"/>
-            </a:endParaRPr>
-          </a:p>
-          <a:p>
-            <a:pPr lvl="1" algn="ctr">
-              <a:lnSpc>
-                <a:spcPct val="150000"/>
-              </a:lnSpc>
-              <a:spcBef>
-                <a:spcPts val="300"/>
-              </a:spcBef>
-              <a:buSzPts val="1600"/>
-              <a:tabLst>
-                <a:tab pos="0" algn="l"/>
-              </a:tabLst>
-            </a:pPr>
-            <a:r>
-              <a:rPr lang="en-US" sz="2000" b="1">
-                <a:solidFill>
-                  <a:schemeClr val="accent1"/>
-                </a:solidFill>
-                <a:latin typeface="Times New Roman" panose="02020603050405020304" pitchFamily="18" charset="0"/>
-                <a:ea typeface="Times New Roman" panose="02020603050405020304" pitchFamily="18" charset="0"/>
-              </a:rPr>
-              <a:t>Tồn đọng</a:t>
+              <a:t>Nghiên cứu và áp dụng các giải pháp bảo mật và an toàn để bảo vệ dữ liệu và thông tin cá nhân của người dùng.</a:t>
             </a:r>
           </a:p>
           <a:p>
@@ -14486,30 +14603,7 @@
                 <a:latin typeface="Times New Roman" panose="02020603050405020304" pitchFamily="18" charset="0"/>
                 <a:ea typeface="Times New Roman" panose="02020603050405020304" pitchFamily="18" charset="0"/>
               </a:rPr>
-              <a:t>Vấn đề tương thích và hiệu suất của hệ thống trên các trình duyệt web khác nhau.</a:t>
-            </a:r>
-          </a:p>
-          <a:p>
-            <a:pPr marL="285750" indent="-285750" algn="just">
-              <a:lnSpc>
-                <a:spcPct val="150000"/>
-              </a:lnSpc>
-              <a:buFont typeface="Wingdings" panose="05000000000000000000" pitchFamily="2" charset="2"/>
-              <a:buChar char="§"/>
-              <a:tabLst>
-                <a:tab pos="0" algn="l"/>
-                <a:tab pos="228600" algn="l"/>
-              </a:tabLst>
-            </a:pPr>
-            <a:r>
-              <a:rPr lang="vi-VN" sz="1600">
-                <a:solidFill>
-                  <a:schemeClr val="accent1"/>
-                </a:solidFill>
-                <a:latin typeface="Times New Roman" panose="02020603050405020304" pitchFamily="18" charset="0"/>
-                <a:ea typeface="Times New Roman" panose="02020603050405020304" pitchFamily="18" charset="0"/>
-              </a:rPr>
-              <a:t>Tối ưu hóa hiển thị hình ảnh 360 độ để giảm thiểu thời gian tải và tăng trải nghiệm người dùng.</a:t>
+              <a:t>Liên tục cập nhật và nâng cấp công nghệ để đáp ứng các yêu cầu và xu hướng mới trong lĩnh vực hình ảnh 360 độ và trải nghiệm thực tế ảo.</a:t>
             </a:r>
           </a:p>
         </p:txBody>
@@ -14517,7 +14611,7 @@
     </p:spTree>
     <p:extLst>
       <p:ext uri="{BB962C8B-B14F-4D97-AF65-F5344CB8AC3E}">
-        <p14:creationId xmlns:p14="http://schemas.microsoft.com/office/powerpoint/2010/main" val="2957535142"/>
+        <p14:creationId xmlns:p14="http://schemas.microsoft.com/office/powerpoint/2010/main" val="4168101245"/>
       </p:ext>
     </p:extLst>
   </p:cSld>
@@ -23664,102 +23758,25 @@
               </a:spcAft>
             </a:pPr>
             <a:r>
-              <a:rPr lang="vi-VN" dirty="0">
+              <a:rPr lang="vi-VN">
                 <a:solidFill>
                   <a:srgbClr val="003CA5"/>
                 </a:solidFill>
                 <a:latin typeface="Montserrat" panose="00000500000000000000" pitchFamily="2" charset="0"/>
                 <a:cs typeface="Arial" panose="020B0604020202020204" pitchFamily="34" charset="0"/>
               </a:rPr>
-              <a:t>04</a:t>
+              <a:t>0</a:t>
             </a:r>
             <a:r>
-              <a:rPr lang="en-US" dirty="0">
+              <a:rPr lang="en-US">
                 <a:solidFill>
                   <a:srgbClr val="003CA5"/>
                 </a:solidFill>
                 <a:latin typeface="Montserrat" panose="00000500000000000000" pitchFamily="2" charset="0"/>
                 <a:cs typeface="Arial" panose="020B0604020202020204" pitchFamily="34" charset="0"/>
               </a:rPr>
-              <a:t>. </a:t>
+              <a:t>4. Xây dựng hệ thống</a:t>
             </a:r>
-            <a:r>
-              <a:rPr lang="en-US" dirty="0" err="1">
-                <a:solidFill>
-                  <a:srgbClr val="003CA5"/>
-                </a:solidFill>
-                <a:latin typeface="Montserrat" panose="00000500000000000000" pitchFamily="2" charset="0"/>
-                <a:cs typeface="Arial" panose="020B0604020202020204" pitchFamily="34" charset="0"/>
-              </a:rPr>
-              <a:t>Xây</a:t>
-            </a:r>
-            <a:r>
-              <a:rPr lang="en-US" dirty="0">
-                <a:solidFill>
-                  <a:srgbClr val="003CA5"/>
-                </a:solidFill>
-                <a:latin typeface="Montserrat" panose="00000500000000000000" pitchFamily="2" charset="0"/>
-                <a:cs typeface="Arial" panose="020B0604020202020204" pitchFamily="34" charset="0"/>
-              </a:rPr>
-              <a:t> </a:t>
-            </a:r>
-            <a:r>
-              <a:rPr lang="en-US" dirty="0" err="1">
-                <a:solidFill>
-                  <a:srgbClr val="003CA5"/>
-                </a:solidFill>
-                <a:latin typeface="Montserrat" panose="00000500000000000000" pitchFamily="2" charset="0"/>
-                <a:cs typeface="Arial" panose="020B0604020202020204" pitchFamily="34" charset="0"/>
-              </a:rPr>
-              <a:t>dựng</a:t>
-            </a:r>
-            <a:r>
-              <a:rPr lang="en-US" dirty="0">
-                <a:solidFill>
-                  <a:srgbClr val="003CA5"/>
-                </a:solidFill>
-                <a:latin typeface="Montserrat" panose="00000500000000000000" pitchFamily="2" charset="0"/>
-                <a:cs typeface="Arial" panose="020B0604020202020204" pitchFamily="34" charset="0"/>
-              </a:rPr>
-              <a:t> </a:t>
-            </a:r>
-            <a:r>
-              <a:rPr lang="en-US" dirty="0" err="1">
-                <a:solidFill>
-                  <a:srgbClr val="003CA5"/>
-                </a:solidFill>
-                <a:latin typeface="Montserrat" panose="00000500000000000000" pitchFamily="2" charset="0"/>
-                <a:cs typeface="Arial" panose="020B0604020202020204" pitchFamily="34" charset="0"/>
-              </a:rPr>
-              <a:t>hệ</a:t>
-            </a:r>
-            <a:r>
-              <a:rPr lang="en-US" dirty="0">
-                <a:solidFill>
-                  <a:srgbClr val="003CA5"/>
-                </a:solidFill>
-                <a:latin typeface="Montserrat" panose="00000500000000000000" pitchFamily="2" charset="0"/>
-                <a:cs typeface="Arial" panose="020B0604020202020204" pitchFamily="34" charset="0"/>
-              </a:rPr>
-              <a:t> </a:t>
-            </a:r>
-            <a:r>
-              <a:rPr lang="en-US" dirty="0" err="1">
-                <a:solidFill>
-                  <a:srgbClr val="003CA5"/>
-                </a:solidFill>
-                <a:latin typeface="Montserrat" panose="00000500000000000000" pitchFamily="2" charset="0"/>
-                <a:cs typeface="Arial" panose="020B0604020202020204" pitchFamily="34" charset="0"/>
-              </a:rPr>
-              <a:t>thống</a:t>
-            </a:r>
-            <a:endParaRPr lang="en-US" dirty="0">
-              <a:solidFill>
-                <a:srgbClr val="003CA5"/>
-              </a:solidFill>
-              <a:latin typeface="Montserrat" panose="00000500000000000000" pitchFamily="2" charset="0"/>
-              <a:cs typeface="Arial" panose="020B0604020202020204" pitchFamily="34" charset="0"/>
-            </a:endParaRPr>
           </a:p>
         </p:txBody>
       </p:sp>
@@ -24213,102 +24230,25 @@
               </a:spcAft>
             </a:pPr>
             <a:r>
-              <a:rPr lang="vi-VN" dirty="0">
+              <a:rPr lang="vi-VN">
                 <a:solidFill>
                   <a:srgbClr val="003CA5"/>
                 </a:solidFill>
                 <a:latin typeface="Montserrat" panose="00000500000000000000" pitchFamily="2" charset="0"/>
                 <a:cs typeface="Arial" panose="020B0604020202020204" pitchFamily="34" charset="0"/>
               </a:rPr>
-              <a:t>04</a:t>
+              <a:t>0</a:t>
             </a:r>
             <a:r>
-              <a:rPr lang="en-US" dirty="0">
+              <a:rPr lang="en-US">
                 <a:solidFill>
                   <a:srgbClr val="003CA5"/>
                 </a:solidFill>
                 <a:latin typeface="Montserrat" panose="00000500000000000000" pitchFamily="2" charset="0"/>
                 <a:cs typeface="Arial" panose="020B0604020202020204" pitchFamily="34" charset="0"/>
               </a:rPr>
-              <a:t>. </a:t>
+              <a:t>4. Xây dựng hệ thống</a:t>
             </a:r>
-            <a:r>
-              <a:rPr lang="en-US" dirty="0" err="1">
-                <a:solidFill>
-                  <a:srgbClr val="003CA5"/>
-                </a:solidFill>
-                <a:latin typeface="Montserrat" panose="00000500000000000000" pitchFamily="2" charset="0"/>
-                <a:cs typeface="Arial" panose="020B0604020202020204" pitchFamily="34" charset="0"/>
-              </a:rPr>
-              <a:t>Xây</a:t>
-            </a:r>
-            <a:r>
-              <a:rPr lang="en-US" dirty="0">
-                <a:solidFill>
-                  <a:srgbClr val="003CA5"/>
-                </a:solidFill>
-                <a:latin typeface="Montserrat" panose="00000500000000000000" pitchFamily="2" charset="0"/>
-                <a:cs typeface="Arial" panose="020B0604020202020204" pitchFamily="34" charset="0"/>
-              </a:rPr>
-              <a:t> </a:t>
-            </a:r>
-            <a:r>
-              <a:rPr lang="en-US" dirty="0" err="1">
-                <a:solidFill>
-                  <a:srgbClr val="003CA5"/>
-                </a:solidFill>
-                <a:latin typeface="Montserrat" panose="00000500000000000000" pitchFamily="2" charset="0"/>
-                <a:cs typeface="Arial" panose="020B0604020202020204" pitchFamily="34" charset="0"/>
-              </a:rPr>
-              <a:t>dựng</a:t>
-            </a:r>
-            <a:r>
-              <a:rPr lang="en-US" dirty="0">
-                <a:solidFill>
-                  <a:srgbClr val="003CA5"/>
-                </a:solidFill>
-                <a:latin typeface="Montserrat" panose="00000500000000000000" pitchFamily="2" charset="0"/>
-                <a:cs typeface="Arial" panose="020B0604020202020204" pitchFamily="34" charset="0"/>
-              </a:rPr>
-              <a:t> </a:t>
-            </a:r>
-            <a:r>
-              <a:rPr lang="en-US" dirty="0" err="1">
-                <a:solidFill>
-                  <a:srgbClr val="003CA5"/>
-                </a:solidFill>
-                <a:latin typeface="Montserrat" panose="00000500000000000000" pitchFamily="2" charset="0"/>
-                <a:cs typeface="Arial" panose="020B0604020202020204" pitchFamily="34" charset="0"/>
-              </a:rPr>
-              <a:t>hệ</a:t>
-            </a:r>
-            <a:r>
-              <a:rPr lang="en-US" dirty="0">
-                <a:solidFill>
-                  <a:srgbClr val="003CA5"/>
-                </a:solidFill>
-                <a:latin typeface="Montserrat" panose="00000500000000000000" pitchFamily="2" charset="0"/>
-                <a:cs typeface="Arial" panose="020B0604020202020204" pitchFamily="34" charset="0"/>
-              </a:rPr>
-              <a:t> </a:t>
-            </a:r>
-            <a:r>
-              <a:rPr lang="en-US" dirty="0" err="1">
-                <a:solidFill>
-                  <a:srgbClr val="003CA5"/>
-                </a:solidFill>
-                <a:latin typeface="Montserrat" panose="00000500000000000000" pitchFamily="2" charset="0"/>
-                <a:cs typeface="Arial" panose="020B0604020202020204" pitchFamily="34" charset="0"/>
-              </a:rPr>
-              <a:t>thống</a:t>
-            </a:r>
-            <a:endParaRPr lang="en-US" dirty="0">
-              <a:solidFill>
-                <a:srgbClr val="003CA5"/>
-              </a:solidFill>
-              <a:latin typeface="Montserrat" panose="00000500000000000000" pitchFamily="2" charset="0"/>
-              <a:cs typeface="Arial" panose="020B0604020202020204" pitchFamily="34" charset="0"/>
-            </a:endParaRPr>
           </a:p>
         </p:txBody>
       </p:sp>
